--- a/Lectures/py_lec_8.pptx
+++ b/Lectures/py_lec_8.pptx
@@ -220,7 +220,7 @@
           <a:p>
             <a:fld id="{FF08647B-1F9F-41A4-B867-46FC175D451E}" type="datetimeFigureOut">
               <a:rPr lang="ru-RU" smtClean="0"/>
-              <a:t>24.01.2022</a:t>
+              <a:t>02.02.2022</a:t>
             </a:fld>
             <a:endParaRPr lang="ru-RU"/>
           </a:p>
@@ -32969,10 +32969,43 @@
                 <a:latin typeface="Courier New" panose="02070309020205020404" pitchFamily="49" charset="0"/>
                 <a:cs typeface="Courier New" panose="02070309020205020404" pitchFamily="49" charset="0"/>
               </a:rPr>
-              <a:t> c</a:t>
-            </a:r>
-            <a:r>
-              <a:rPr lang="en-US" sz="1400" b="1" dirty="0">
+              <a:t> </a:t>
+            </a:r>
+            <a:r>
+              <a:rPr lang="en-US" sz="1400" dirty="0">
+                <a:solidFill>
+                  <a:srgbClr val="FF0000"/>
+                </a:solidFill>
+                <a:effectLst/>
+                <a:latin typeface="Courier New" panose="02070309020205020404" pitchFamily="49" charset="0"/>
+                <a:cs typeface="Courier New" panose="02070309020205020404" pitchFamily="49" charset="0"/>
+              </a:rPr>
+              <a:t>30</a:t>
+            </a:r>
+            <a:r>
+              <a:rPr lang="en-US" sz="1400" b="1">
+                <a:solidFill>
+                  <a:srgbClr val="000080"/>
+                </a:solidFill>
+                <a:effectLst/>
+                <a:latin typeface="Courier New" panose="02070309020205020404" pitchFamily="49" charset="0"/>
+                <a:cs typeface="Courier New" panose="02070309020205020404" pitchFamily="49" charset="0"/>
+              </a:rPr>
+              <a:t>,</a:t>
+            </a:r>
+            <a:r>
+              <a:rPr lang="en-US" sz="1400">
+                <a:solidFill>
+                  <a:srgbClr val="000000"/>
+                </a:solidFill>
+                <a:effectLst/>
+                <a:latin typeface="Courier New" panose="02070309020205020404" pitchFamily="49" charset="0"/>
+                <a:cs typeface="Courier New" panose="02070309020205020404" pitchFamily="49" charset="0"/>
+              </a:rPr>
+              <a:t> d</a:t>
+            </a:r>
+            <a:r>
+              <a:rPr lang="en-US" sz="1400" b="1">
                 <a:solidFill>
                   <a:srgbClr val="000080"/>
                 </a:solidFill>
@@ -32983,40 +33016,7 @@
               <a:t>=</a:t>
             </a:r>
             <a:r>
-              <a:rPr lang="en-US" sz="1400" dirty="0">
-                <a:solidFill>
-                  <a:srgbClr val="FF0000"/>
-                </a:solidFill>
-                <a:effectLst/>
-                <a:latin typeface="Courier New" panose="02070309020205020404" pitchFamily="49" charset="0"/>
-                <a:cs typeface="Courier New" panose="02070309020205020404" pitchFamily="49" charset="0"/>
-              </a:rPr>
-              <a:t>30</a:t>
-            </a:r>
-            <a:r>
-              <a:rPr lang="en-US" sz="1400" b="1" dirty="0">
-                <a:solidFill>
-                  <a:srgbClr val="000080"/>
-                </a:solidFill>
-                <a:effectLst/>
-                <a:latin typeface="Courier New" panose="02070309020205020404" pitchFamily="49" charset="0"/>
-                <a:cs typeface="Courier New" panose="02070309020205020404" pitchFamily="49" charset="0"/>
-              </a:rPr>
-              <a:t>,</a:t>
-            </a:r>
-            <a:r>
-              <a:rPr lang="en-US" sz="1400" dirty="0">
-                <a:solidFill>
-                  <a:srgbClr val="000000"/>
-                </a:solidFill>
-                <a:effectLst/>
-                <a:latin typeface="Courier New" panose="02070309020205020404" pitchFamily="49" charset="0"/>
-                <a:cs typeface="Courier New" panose="02070309020205020404" pitchFamily="49" charset="0"/>
-              </a:rPr>
-              <a:t> </a:t>
-            </a:r>
-            <a:r>
-              <a:rPr lang="en-US" sz="1400" dirty="0">
+              <a:rPr lang="en-US" sz="1400">
                 <a:solidFill>
                   <a:srgbClr val="FF0000"/>
                 </a:solidFill>
